--- a/altro/presentazione_ppt.pptx
+++ b/altro/presentazione_ppt.pptx
@@ -1439,7 +1439,7 @@
           <a:bodyPr lIns="0" rIns="0" tIns="0" bIns="0"/>
           <a:p>
             <a:pPr algn="r"/>
-            <a:fld id="{D408E81F-D7FF-44D1-B4C1-0BA7B5F4E226}" type="slidenum">
+            <a:fld id="{DA29D06F-3F86-4119-A3C8-72ED7E8703F6}" type="slidenum">
               <a:rPr lang="it-IT" sz="1400">
                 <a:latin typeface="Times New Roman"/>
               </a:rPr>
